--- a/docs/diagrams/TagColorClassDiagram.pptx
+++ b/docs/diagrams/TagColorClassDiagram.pptx
@@ -208,7 +208,7 @@
           <a:p>
             <a:fld id="{F5CC4B3F-88C1-4FFA-B1B6-F41C21DC6924}" type="datetimeFigureOut">
               <a:rPr lang="en-US" smtClean="0"/>
-              <a:t>10/19/17</a:t>
+              <a:t>11/2/17</a:t>
             </a:fld>
             <a:endParaRPr lang="en-US"/>
           </a:p>
@@ -657,7 +657,7 @@
           <a:p>
             <a:fld id="{78C97017-6FC3-485B-9764-EAC9E56C1D49}" type="datetimeFigureOut">
               <a:rPr lang="en-US" smtClean="0"/>
-              <a:t>10/19/17</a:t>
+              <a:t>11/2/17</a:t>
             </a:fld>
             <a:endParaRPr lang="en-US"/>
           </a:p>
@@ -827,7 +827,7 @@
           <a:p>
             <a:fld id="{78C97017-6FC3-485B-9764-EAC9E56C1D49}" type="datetimeFigureOut">
               <a:rPr lang="en-US" smtClean="0"/>
-              <a:t>10/19/17</a:t>
+              <a:t>11/2/17</a:t>
             </a:fld>
             <a:endParaRPr lang="en-US"/>
           </a:p>
@@ -1007,7 +1007,7 @@
           <a:p>
             <a:fld id="{78C97017-6FC3-485B-9764-EAC9E56C1D49}" type="datetimeFigureOut">
               <a:rPr lang="en-US" smtClean="0"/>
-              <a:t>10/19/17</a:t>
+              <a:t>11/2/17</a:t>
             </a:fld>
             <a:endParaRPr lang="en-US"/>
           </a:p>
@@ -1177,7 +1177,7 @@
           <a:p>
             <a:fld id="{78C97017-6FC3-485B-9764-EAC9E56C1D49}" type="datetimeFigureOut">
               <a:rPr lang="en-US" smtClean="0"/>
-              <a:t>10/19/17</a:t>
+              <a:t>11/2/17</a:t>
             </a:fld>
             <a:endParaRPr lang="en-US"/>
           </a:p>
@@ -1423,7 +1423,7 @@
           <a:p>
             <a:fld id="{78C97017-6FC3-485B-9764-EAC9E56C1D49}" type="datetimeFigureOut">
               <a:rPr lang="en-US" smtClean="0"/>
-              <a:t>10/19/17</a:t>
+              <a:t>11/2/17</a:t>
             </a:fld>
             <a:endParaRPr lang="en-US"/>
           </a:p>
@@ -1711,7 +1711,7 @@
           <a:p>
             <a:fld id="{78C97017-6FC3-485B-9764-EAC9E56C1D49}" type="datetimeFigureOut">
               <a:rPr lang="en-US" smtClean="0"/>
-              <a:t>10/19/17</a:t>
+              <a:t>11/2/17</a:t>
             </a:fld>
             <a:endParaRPr lang="en-US"/>
           </a:p>
@@ -2133,7 +2133,7 @@
           <a:p>
             <a:fld id="{78C97017-6FC3-485B-9764-EAC9E56C1D49}" type="datetimeFigureOut">
               <a:rPr lang="en-US" smtClean="0"/>
-              <a:t>10/19/17</a:t>
+              <a:t>11/2/17</a:t>
             </a:fld>
             <a:endParaRPr lang="en-US"/>
           </a:p>
@@ -2251,7 +2251,7 @@
           <a:p>
             <a:fld id="{78C97017-6FC3-485B-9764-EAC9E56C1D49}" type="datetimeFigureOut">
               <a:rPr lang="en-US" smtClean="0"/>
-              <a:t>10/19/17</a:t>
+              <a:t>11/2/17</a:t>
             </a:fld>
             <a:endParaRPr lang="en-US"/>
           </a:p>
@@ -2346,7 +2346,7 @@
           <a:p>
             <a:fld id="{78C97017-6FC3-485B-9764-EAC9E56C1D49}" type="datetimeFigureOut">
               <a:rPr lang="en-US" smtClean="0"/>
-              <a:t>10/19/17</a:t>
+              <a:t>11/2/17</a:t>
             </a:fld>
             <a:endParaRPr lang="en-US"/>
           </a:p>
@@ -2623,7 +2623,7 @@
           <a:p>
             <a:fld id="{78C97017-6FC3-485B-9764-EAC9E56C1D49}" type="datetimeFigureOut">
               <a:rPr lang="en-US" smtClean="0"/>
-              <a:t>10/19/17</a:t>
+              <a:t>11/2/17</a:t>
             </a:fld>
             <a:endParaRPr lang="en-US"/>
           </a:p>
@@ -2876,7 +2876,7 @@
           <a:p>
             <a:fld id="{78C97017-6FC3-485B-9764-EAC9E56C1D49}" type="datetimeFigureOut">
               <a:rPr lang="en-US" smtClean="0"/>
-              <a:t>10/19/17</a:t>
+              <a:t>11/2/17</a:t>
             </a:fld>
             <a:endParaRPr lang="en-US"/>
           </a:p>
@@ -3089,7 +3089,7 @@
           <a:p>
             <a:fld id="{78C97017-6FC3-485B-9764-EAC9E56C1D49}" type="datetimeFigureOut">
               <a:rPr lang="en-US" smtClean="0"/>
-              <a:t>10/19/17</a:t>
+              <a:t>11/2/17</a:t>
             </a:fld>
             <a:endParaRPr lang="en-US"/>
           </a:p>
@@ -3472,8 +3472,8 @@
         </p:nvSpPr>
         <p:spPr>
           <a:xfrm>
-            <a:off x="1119865" y="1727200"/>
-            <a:ext cx="7490735" cy="2997200"/>
+            <a:off x="4114800" y="1661654"/>
+            <a:ext cx="3581400" cy="1219200"/>
           </a:xfrm>
           <a:prstGeom prst="roundRect">
             <a:avLst>
@@ -3527,833 +3527,6 @@
       </p:sp>
       <p:sp>
         <p:nvSpPr>
-          <p:cNvPr id="2" name="Rectangle 8"/>
-          <p:cNvSpPr/>
-          <p:nvPr/>
-        </p:nvSpPr>
-        <p:spPr>
-          <a:xfrm>
-            <a:off x="2877180" y="3158440"/>
-            <a:ext cx="1093635" cy="346760"/>
-          </a:xfrm>
-          <a:prstGeom prst="rect">
-            <a:avLst/>
-          </a:prstGeom>
-          <a:solidFill>
-            <a:srgbClr val="7030A0"/>
-          </a:solidFill>
-          <a:ln w="19050">
-            <a:solidFill>
-              <a:srgbClr val="7030A0"/>
-            </a:solidFill>
-          </a:ln>
-          <a:effectLst/>
-        </p:spPr>
-        <p:style>
-          <a:lnRef idx="1">
-            <a:schemeClr val="accent2"/>
-          </a:lnRef>
-          <a:fillRef idx="2">
-            <a:schemeClr val="accent2"/>
-          </a:fillRef>
-          <a:effectRef idx="1">
-            <a:schemeClr val="accent2"/>
-          </a:effectRef>
-          <a:fontRef idx="minor">
-            <a:schemeClr val="dk1"/>
-          </a:fontRef>
-        </p:style>
-        <p:txBody>
-          <a:bodyPr rtlCol="0" anchor="ctr"/>
-          <a:lstStyle/>
-          <a:p>
-            <a:pPr algn="ctr"/>
-            <a:r>
-              <a:rPr lang="en-US" sz="1050" dirty="0" err="1" smtClean="0">
-                <a:solidFill>
-                  <a:schemeClr val="bg1"/>
-                </a:solidFill>
-              </a:rPr>
-              <a:t>UserPref</a:t>
-            </a:r>
-            <a:endParaRPr lang="en-SG" sz="1050" dirty="0">
-              <a:solidFill>
-                <a:schemeClr val="bg1"/>
-              </a:solidFill>
-            </a:endParaRPr>
-          </a:p>
-        </p:txBody>
-      </p:sp>
-      <p:sp>
-        <p:nvSpPr>
-          <p:cNvPr id="9" name="Rectangle 62"/>
-          <p:cNvSpPr/>
-          <p:nvPr/>
-        </p:nvSpPr>
-        <p:spPr>
-          <a:xfrm rot="16200000">
-            <a:off x="1683963" y="2868687"/>
-            <a:ext cx="1093635" cy="346760"/>
-          </a:xfrm>
-          <a:prstGeom prst="rect">
-            <a:avLst/>
-          </a:prstGeom>
-          <a:solidFill>
-            <a:srgbClr val="7030A0"/>
-          </a:solidFill>
-          <a:ln w="19050">
-            <a:solidFill>
-              <a:srgbClr val="7030A0"/>
-            </a:solidFill>
-          </a:ln>
-          <a:effectLst/>
-        </p:spPr>
-        <p:style>
-          <a:lnRef idx="1">
-            <a:schemeClr val="accent2"/>
-          </a:lnRef>
-          <a:fillRef idx="2">
-            <a:schemeClr val="accent2"/>
-          </a:fillRef>
-          <a:effectRef idx="1">
-            <a:schemeClr val="accent2"/>
-          </a:effectRef>
-          <a:fontRef idx="minor">
-            <a:schemeClr val="dk1"/>
-          </a:fontRef>
-        </p:style>
-        <p:txBody>
-          <a:bodyPr rtlCol="0" anchor="ctr"/>
-          <a:lstStyle/>
-          <a:p>
-            <a:pPr algn="ctr"/>
-            <a:r>
-              <a:rPr lang="en-US" sz="1050" dirty="0" err="1" smtClean="0">
-                <a:solidFill>
-                  <a:schemeClr val="bg1"/>
-                </a:solidFill>
-              </a:rPr>
-              <a:t>ModelManager</a:t>
-            </a:r>
-            <a:endParaRPr lang="en-SG" sz="1050" dirty="0">
-              <a:solidFill>
-                <a:schemeClr val="bg1"/>
-              </a:solidFill>
-            </a:endParaRPr>
-          </a:p>
-        </p:txBody>
-      </p:sp>
-      <p:cxnSp>
-        <p:nvCxnSpPr>
-          <p:cNvPr id="53" name="Elbow Connector 63"/>
-          <p:cNvCxnSpPr>
-            <a:stCxn id="71" idx="3"/>
-          </p:cNvCxnSpPr>
-          <p:nvPr/>
-        </p:nvCxnSpPr>
-        <p:spPr>
-          <a:xfrm flipV="1">
-            <a:off x="6477000" y="3194131"/>
-            <a:ext cx="95385" cy="416514"/>
-          </a:xfrm>
-          <a:prstGeom prst="bentConnector2">
-            <a:avLst/>
-          </a:prstGeom>
-          <a:ln w="19050">
-            <a:solidFill>
-              <a:srgbClr val="7030A0"/>
-            </a:solidFill>
-            <a:prstDash val="sysDot"/>
-            <a:headEnd type="none" w="med" len="med"/>
-            <a:tailEnd type="none" w="med" len="med"/>
-          </a:ln>
-          <a:effectLst/>
-        </p:spPr>
-        <p:style>
-          <a:lnRef idx="1">
-            <a:schemeClr val="accent2"/>
-          </a:lnRef>
-          <a:fillRef idx="2">
-            <a:schemeClr val="accent2"/>
-          </a:fillRef>
-          <a:effectRef idx="1">
-            <a:schemeClr val="accent2"/>
-          </a:effectRef>
-          <a:fontRef idx="minor">
-            <a:schemeClr val="dk1"/>
-          </a:fontRef>
-        </p:style>
-      </p:cxnSp>
-      <p:cxnSp>
-        <p:nvCxnSpPr>
-          <p:cNvPr id="107" name="Elbow Connector 106"/>
-          <p:cNvCxnSpPr>
-            <a:stCxn id="9" idx="1"/>
-          </p:cNvCxnSpPr>
-          <p:nvPr/>
-        </p:nvCxnSpPr>
-        <p:spPr>
-          <a:xfrm rot="5400000" flipH="1" flipV="1">
-            <a:off x="4360065" y="1080909"/>
-            <a:ext cx="378691" cy="4637261"/>
-          </a:xfrm>
-          <a:prstGeom prst="bentConnector4">
-            <a:avLst>
-              <a:gd name="adj1" fmla="val -101829"/>
-              <a:gd name="adj2" fmla="val 99976"/>
-            </a:avLst>
-          </a:prstGeom>
-          <a:ln w="19050">
-            <a:solidFill>
-              <a:srgbClr val="7030A0"/>
-            </a:solidFill>
-            <a:prstDash val="solid"/>
-            <a:headEnd type="none" w="med" len="med"/>
-            <a:tailEnd type="arrow" w="med" len="med"/>
-          </a:ln>
-          <a:effectLst/>
-        </p:spPr>
-        <p:style>
-          <a:lnRef idx="1">
-            <a:schemeClr val="accent2"/>
-          </a:lnRef>
-          <a:fillRef idx="2">
-            <a:schemeClr val="accent2"/>
-          </a:fillRef>
-          <a:effectRef idx="1">
-            <a:schemeClr val="accent2"/>
-          </a:effectRef>
-          <a:fontRef idx="minor">
-            <a:schemeClr val="dk1"/>
-          </a:fontRef>
-        </p:style>
-      </p:cxnSp>
-      <p:sp>
-        <p:nvSpPr>
-          <p:cNvPr id="119" name="Rectangle 62"/>
-          <p:cNvSpPr/>
-          <p:nvPr/>
-        </p:nvSpPr>
-        <p:spPr>
-          <a:xfrm rot="16200000">
-            <a:off x="956202" y="2861202"/>
-            <a:ext cx="1093635" cy="346760"/>
-          </a:xfrm>
-          <a:prstGeom prst="rect">
-            <a:avLst/>
-          </a:prstGeom>
-          <a:solidFill>
-            <a:srgbClr val="7030A0"/>
-          </a:solidFill>
-          <a:ln w="19050">
-            <a:solidFill>
-              <a:srgbClr val="7030A0"/>
-            </a:solidFill>
-          </a:ln>
-          <a:effectLst/>
-        </p:spPr>
-        <p:style>
-          <a:lnRef idx="1">
-            <a:schemeClr val="accent2"/>
-          </a:lnRef>
-          <a:fillRef idx="2">
-            <a:schemeClr val="accent2"/>
-          </a:fillRef>
-          <a:effectRef idx="1">
-            <a:schemeClr val="accent2"/>
-          </a:effectRef>
-          <a:fontRef idx="minor">
-            <a:schemeClr val="dk1"/>
-          </a:fontRef>
-        </p:style>
-        <p:txBody>
-          <a:bodyPr rtlCol="0" anchor="ctr"/>
-          <a:lstStyle/>
-          <a:p>
-            <a:pPr algn="ctr"/>
-            <a:r>
-              <a:rPr lang="en-US" sz="1050" dirty="0">
-                <a:solidFill>
-                  <a:schemeClr val="bg1"/>
-                </a:solidFill>
-              </a:rPr>
-              <a:t>&lt;&lt;interface&gt;&gt;</a:t>
-            </a:r>
-          </a:p>
-          <a:p>
-            <a:pPr algn="ctr"/>
-            <a:r>
-              <a:rPr lang="en-US" sz="1050" dirty="0" smtClean="0">
-                <a:solidFill>
-                  <a:schemeClr val="bg1"/>
-                </a:solidFill>
-              </a:rPr>
-              <a:t>Model</a:t>
-            </a:r>
-            <a:endParaRPr lang="en-SG" sz="1050" dirty="0">
-              <a:solidFill>
-                <a:schemeClr val="bg1"/>
-              </a:solidFill>
-            </a:endParaRPr>
-          </a:p>
-        </p:txBody>
-      </p:sp>
-      <p:sp>
-        <p:nvSpPr>
-          <p:cNvPr id="120" name="Isosceles Triangle 102"/>
-          <p:cNvSpPr/>
-          <p:nvPr/>
-        </p:nvSpPr>
-        <p:spPr>
-          <a:xfrm rot="16200000">
-            <a:off x="1626910" y="2952291"/>
-            <a:ext cx="270504" cy="175523"/>
-          </a:xfrm>
-          <a:prstGeom prst="triangle">
-            <a:avLst/>
-          </a:prstGeom>
-          <a:solidFill>
-            <a:srgbClr val="7030A0"/>
-          </a:solidFill>
-          <a:ln w="19050">
-            <a:solidFill>
-              <a:srgbClr val="7030A0"/>
-            </a:solidFill>
-          </a:ln>
-          <a:effectLst/>
-        </p:spPr>
-        <p:style>
-          <a:lnRef idx="1">
-            <a:schemeClr val="accent6"/>
-          </a:lnRef>
-          <a:fillRef idx="2">
-            <a:schemeClr val="accent6"/>
-          </a:fillRef>
-          <a:effectRef idx="1">
-            <a:schemeClr val="accent6"/>
-          </a:effectRef>
-          <a:fontRef idx="minor">
-            <a:schemeClr val="dk1"/>
-          </a:fontRef>
-        </p:style>
-        <p:txBody>
-          <a:bodyPr rtlCol="0" anchor="ctr"/>
-          <a:lstStyle/>
-          <a:p>
-            <a:pPr algn="ctr"/>
-            <a:endParaRPr lang="en-SG" sz="1050"/>
-          </a:p>
-        </p:txBody>
-      </p:sp>
-      <p:cxnSp>
-        <p:nvCxnSpPr>
-          <p:cNvPr id="58" name="Straight Arrow Connector 57"/>
-          <p:cNvCxnSpPr>
-            <a:stCxn id="42" idx="3"/>
-            <a:endCxn id="2" idx="1"/>
-          </p:cNvCxnSpPr>
-          <p:nvPr/>
-        </p:nvCxnSpPr>
-        <p:spPr>
-          <a:xfrm>
-            <a:off x="2656370" y="3326536"/>
-            <a:ext cx="220810" cy="5284"/>
-          </a:xfrm>
-          <a:prstGeom prst="straightConnector1">
-            <a:avLst/>
-          </a:prstGeom>
-          <a:ln w="19050">
-            <a:solidFill>
-              <a:srgbClr val="7030A0"/>
-            </a:solidFill>
-            <a:headEnd type="none" w="med" len="med"/>
-            <a:tailEnd type="arrow" w="med" len="med"/>
-          </a:ln>
-          <a:effectLst/>
-        </p:spPr>
-        <p:style>
-          <a:lnRef idx="1">
-            <a:schemeClr val="accent2"/>
-          </a:lnRef>
-          <a:fillRef idx="2">
-            <a:schemeClr val="accent2"/>
-          </a:fillRef>
-          <a:effectRef idx="1">
-            <a:schemeClr val="accent2"/>
-          </a:effectRef>
-          <a:fontRef idx="minor">
-            <a:schemeClr val="dk1"/>
-          </a:fontRef>
-        </p:style>
-      </p:cxnSp>
-      <p:sp>
-        <p:nvSpPr>
-          <p:cNvPr id="71" name="Isosceles Triangle 102"/>
-          <p:cNvSpPr/>
-          <p:nvPr/>
-        </p:nvSpPr>
-        <p:spPr>
-          <a:xfrm rot="5400000" flipV="1">
-            <a:off x="6253986" y="3522883"/>
-            <a:ext cx="270504" cy="175523"/>
-          </a:xfrm>
-          <a:prstGeom prst="triangle">
-            <a:avLst/>
-          </a:prstGeom>
-          <a:solidFill>
-            <a:srgbClr val="7030A0"/>
-          </a:solidFill>
-          <a:ln w="19050">
-            <a:solidFill>
-              <a:srgbClr val="7030A0"/>
-            </a:solidFill>
-          </a:ln>
-          <a:effectLst/>
-        </p:spPr>
-        <p:style>
-          <a:lnRef idx="1">
-            <a:schemeClr val="accent4"/>
-          </a:lnRef>
-          <a:fillRef idx="2">
-            <a:schemeClr val="accent4"/>
-          </a:fillRef>
-          <a:effectRef idx="1">
-            <a:schemeClr val="accent4"/>
-          </a:effectRef>
-          <a:fontRef idx="minor">
-            <a:schemeClr val="dk1"/>
-          </a:fontRef>
-        </p:style>
-        <p:txBody>
-          <a:bodyPr rtlCol="0" anchor="ctr"/>
-          <a:lstStyle/>
-          <a:p>
-            <a:pPr algn="ctr"/>
-            <a:endParaRPr lang="en-SG" sz="1050" b="1">
-              <a:solidFill>
-                <a:srgbClr val="92D050"/>
-              </a:solidFill>
-            </a:endParaRPr>
-          </a:p>
-        </p:txBody>
-      </p:sp>
-      <p:cxnSp>
-        <p:nvCxnSpPr>
-          <p:cNvPr id="75" name="Elbow Connector 122"/>
-          <p:cNvCxnSpPr/>
-          <p:nvPr/>
-        </p:nvCxnSpPr>
-        <p:spPr>
-          <a:xfrm>
-            <a:off x="910091" y="3040053"/>
-            <a:ext cx="419548" cy="2860"/>
-          </a:xfrm>
-          <a:prstGeom prst="bentConnector3">
-            <a:avLst>
-              <a:gd name="adj1" fmla="val 50000"/>
-            </a:avLst>
-          </a:prstGeom>
-          <a:ln w="19050">
-            <a:solidFill>
-              <a:schemeClr val="bg1">
-                <a:lumMod val="75000"/>
-              </a:schemeClr>
-            </a:solidFill>
-            <a:prstDash val="sysDot"/>
-            <a:headEnd type="none" w="med" len="med"/>
-            <a:tailEnd type="arrow" w="med" len="med"/>
-          </a:ln>
-          <a:effectLst/>
-        </p:spPr>
-        <p:style>
-          <a:lnRef idx="1">
-            <a:schemeClr val="accent2"/>
-          </a:lnRef>
-          <a:fillRef idx="2">
-            <a:schemeClr val="accent2"/>
-          </a:fillRef>
-          <a:effectRef idx="1">
-            <a:schemeClr val="accent2"/>
-          </a:effectRef>
-          <a:fontRef idx="minor">
-            <a:schemeClr val="dk1"/>
-          </a:fontRef>
-        </p:style>
-      </p:cxnSp>
-      <p:cxnSp>
-        <p:nvCxnSpPr>
-          <p:cNvPr id="21" name="Straight Connector 20"/>
-          <p:cNvCxnSpPr>
-            <a:stCxn id="120" idx="3"/>
-          </p:cNvCxnSpPr>
-          <p:nvPr/>
-        </p:nvCxnSpPr>
-        <p:spPr>
-          <a:xfrm flipV="1">
-            <a:off x="1849924" y="3040052"/>
-            <a:ext cx="216105" cy="1"/>
-          </a:xfrm>
-          <a:prstGeom prst="line">
-            <a:avLst/>
-          </a:prstGeom>
-          <a:ln w="19050">
-            <a:solidFill>
-              <a:srgbClr val="7030A0"/>
-            </a:solidFill>
-            <a:prstDash val="sysDot"/>
-            <a:headEnd type="none" w="med" len="med"/>
-            <a:tailEnd type="none" w="med" len="med"/>
-          </a:ln>
-          <a:effectLst/>
-        </p:spPr>
-        <p:style>
-          <a:lnRef idx="1">
-            <a:schemeClr val="accent2"/>
-          </a:lnRef>
-          <a:fillRef idx="2">
-            <a:schemeClr val="accent2"/>
-          </a:fillRef>
-          <a:effectRef idx="1">
-            <a:schemeClr val="accent2"/>
-          </a:effectRef>
-          <a:fontRef idx="minor">
-            <a:schemeClr val="dk1"/>
-          </a:fontRef>
-        </p:style>
-      </p:cxnSp>
-      <p:sp>
-        <p:nvSpPr>
-          <p:cNvPr id="42" name="Flowchart: Decision 96"/>
-          <p:cNvSpPr/>
-          <p:nvPr/>
-        </p:nvSpPr>
-        <p:spPr>
-          <a:xfrm>
-            <a:off x="2420322" y="3239846"/>
-            <a:ext cx="236048" cy="173380"/>
-          </a:xfrm>
-          <a:prstGeom prst="flowChartDecision">
-            <a:avLst/>
-          </a:prstGeom>
-          <a:noFill/>
-          <a:ln w="19050">
-            <a:solidFill>
-              <a:srgbClr val="7030A0"/>
-            </a:solidFill>
-          </a:ln>
-          <a:effectLst/>
-        </p:spPr>
-        <p:style>
-          <a:lnRef idx="1">
-            <a:schemeClr val="accent6"/>
-          </a:lnRef>
-          <a:fillRef idx="2">
-            <a:schemeClr val="accent6"/>
-          </a:fillRef>
-          <a:effectRef idx="1">
-            <a:schemeClr val="accent6"/>
-          </a:effectRef>
-          <a:fontRef idx="minor">
-            <a:schemeClr val="dk1"/>
-          </a:fontRef>
-        </p:style>
-        <p:txBody>
-          <a:bodyPr rtlCol="0" anchor="ctr"/>
-          <a:lstStyle/>
-          <a:p>
-            <a:pPr algn="ctr"/>
-            <a:endParaRPr lang="en-US" sz="1050"/>
-          </a:p>
-        </p:txBody>
-      </p:sp>
-      <p:sp>
-        <p:nvSpPr>
-          <p:cNvPr id="46" name="Rectangle 8"/>
-          <p:cNvSpPr/>
-          <p:nvPr/>
-        </p:nvSpPr>
-        <p:spPr>
-          <a:xfrm>
-            <a:off x="2879490" y="2627420"/>
-            <a:ext cx="1093635" cy="346760"/>
-          </a:xfrm>
-          <a:prstGeom prst="rect">
-            <a:avLst/>
-          </a:prstGeom>
-          <a:ln w="19050">
-            <a:solidFill>
-              <a:srgbClr val="7030A0"/>
-            </a:solidFill>
-          </a:ln>
-          <a:effectLst/>
-        </p:spPr>
-        <p:style>
-          <a:lnRef idx="1">
-            <a:schemeClr val="accent4"/>
-          </a:lnRef>
-          <a:fillRef idx="2">
-            <a:schemeClr val="accent4"/>
-          </a:fillRef>
-          <a:effectRef idx="1">
-            <a:schemeClr val="accent4"/>
-          </a:effectRef>
-          <a:fontRef idx="minor">
-            <a:schemeClr val="dk1"/>
-          </a:fontRef>
-        </p:style>
-        <p:txBody>
-          <a:bodyPr rtlCol="0" anchor="ctr"/>
-          <a:lstStyle/>
-          <a:p>
-            <a:pPr algn="ctr"/>
-            <a:r>
-              <a:rPr lang="en-US" sz="1050" dirty="0" err="1" smtClean="0">
-                <a:solidFill>
-                  <a:srgbClr val="7030A0"/>
-                </a:solidFill>
-              </a:rPr>
-              <a:t>AddressBook</a:t>
-            </a:r>
-            <a:endParaRPr lang="en-SG" sz="1050" dirty="0">
-              <a:solidFill>
-                <a:srgbClr val="7030A0"/>
-              </a:solidFill>
-            </a:endParaRPr>
-          </a:p>
-        </p:txBody>
-      </p:sp>
-      <p:cxnSp>
-        <p:nvCxnSpPr>
-          <p:cNvPr id="47" name="Straight Arrow Connector 46"/>
-          <p:cNvCxnSpPr>
-            <a:stCxn id="48" idx="3"/>
-            <a:endCxn id="46" idx="1"/>
-          </p:cNvCxnSpPr>
-          <p:nvPr/>
-        </p:nvCxnSpPr>
-        <p:spPr>
-          <a:xfrm>
-            <a:off x="2658680" y="2795516"/>
-            <a:ext cx="220810" cy="5284"/>
-          </a:xfrm>
-          <a:prstGeom prst="straightConnector1">
-            <a:avLst/>
-          </a:prstGeom>
-          <a:ln w="19050">
-            <a:solidFill>
-              <a:srgbClr val="7030A0"/>
-            </a:solidFill>
-            <a:headEnd type="none" w="med" len="med"/>
-            <a:tailEnd type="arrow" w="med" len="med"/>
-          </a:ln>
-          <a:effectLst/>
-        </p:spPr>
-        <p:style>
-          <a:lnRef idx="1">
-            <a:schemeClr val="accent2"/>
-          </a:lnRef>
-          <a:fillRef idx="2">
-            <a:schemeClr val="accent2"/>
-          </a:fillRef>
-          <a:effectRef idx="1">
-            <a:schemeClr val="accent2"/>
-          </a:effectRef>
-          <a:fontRef idx="minor">
-            <a:schemeClr val="dk1"/>
-          </a:fontRef>
-        </p:style>
-      </p:cxnSp>
-      <p:sp>
-        <p:nvSpPr>
-          <p:cNvPr id="48" name="Flowchart: Decision 96"/>
-          <p:cNvSpPr/>
-          <p:nvPr/>
-        </p:nvSpPr>
-        <p:spPr>
-          <a:xfrm>
-            <a:off x="2422632" y="2708826"/>
-            <a:ext cx="236048" cy="173380"/>
-          </a:xfrm>
-          <a:prstGeom prst="flowChartDecision">
-            <a:avLst/>
-          </a:prstGeom>
-          <a:noFill/>
-          <a:ln w="19050">
-            <a:solidFill>
-              <a:srgbClr val="7030A0"/>
-            </a:solidFill>
-          </a:ln>
-          <a:effectLst/>
-        </p:spPr>
-        <p:style>
-          <a:lnRef idx="1">
-            <a:schemeClr val="accent6"/>
-          </a:lnRef>
-          <a:fillRef idx="2">
-            <a:schemeClr val="accent6"/>
-          </a:fillRef>
-          <a:effectRef idx="1">
-            <a:schemeClr val="accent6"/>
-          </a:effectRef>
-          <a:fontRef idx="minor">
-            <a:schemeClr val="dk1"/>
-          </a:fontRef>
-        </p:style>
-        <p:txBody>
-          <a:bodyPr rtlCol="0" anchor="ctr"/>
-          <a:lstStyle/>
-          <a:p>
-            <a:pPr algn="ctr"/>
-            <a:endParaRPr lang="en-US" sz="1050"/>
-          </a:p>
-        </p:txBody>
-      </p:sp>
-      <p:sp>
-        <p:nvSpPr>
-          <p:cNvPr id="49" name="Rectangle 8"/>
-          <p:cNvSpPr/>
-          <p:nvPr/>
-        </p:nvSpPr>
-        <p:spPr>
-          <a:xfrm>
-            <a:off x="4487017" y="2847371"/>
-            <a:ext cx="1156969" cy="346760"/>
-          </a:xfrm>
-          <a:prstGeom prst="rect">
-            <a:avLst/>
-          </a:prstGeom>
-          <a:ln w="19050">
-            <a:solidFill>
-              <a:srgbClr val="7030A0"/>
-            </a:solidFill>
-          </a:ln>
-          <a:effectLst/>
-        </p:spPr>
-        <p:style>
-          <a:lnRef idx="1">
-            <a:schemeClr val="accent4"/>
-          </a:lnRef>
-          <a:fillRef idx="2">
-            <a:schemeClr val="accent4"/>
-          </a:fillRef>
-          <a:effectRef idx="1">
-            <a:schemeClr val="accent4"/>
-          </a:effectRef>
-          <a:fontRef idx="minor">
-            <a:schemeClr val="dk1"/>
-          </a:fontRef>
-        </p:style>
-        <p:txBody>
-          <a:bodyPr rtlCol="0" anchor="ctr"/>
-          <a:lstStyle/>
-          <a:p>
-            <a:pPr algn="ctr"/>
-            <a:r>
-              <a:rPr lang="en-US" sz="1050" dirty="0" err="1" smtClean="0">
-                <a:solidFill>
-                  <a:srgbClr val="7030A0"/>
-                </a:solidFill>
-              </a:rPr>
-              <a:t>UniquePersonList</a:t>
-            </a:r>
-            <a:endParaRPr lang="en-SG" sz="1050" dirty="0">
-              <a:solidFill>
-                <a:srgbClr val="7030A0"/>
-              </a:solidFill>
-            </a:endParaRPr>
-          </a:p>
-        </p:txBody>
-      </p:sp>
-      <p:sp>
-        <p:nvSpPr>
-          <p:cNvPr id="51" name="Flowchart: Decision 96"/>
-          <p:cNvSpPr/>
-          <p:nvPr/>
-        </p:nvSpPr>
-        <p:spPr>
-          <a:xfrm>
-            <a:off x="3984303" y="2673991"/>
-            <a:ext cx="236048" cy="173380"/>
-          </a:xfrm>
-          <a:prstGeom prst="flowChartDecision">
-            <a:avLst/>
-          </a:prstGeom>
-          <a:solidFill>
-            <a:srgbClr val="7030A0"/>
-          </a:solidFill>
-          <a:ln w="19050">
-            <a:solidFill>
-              <a:srgbClr val="7030A0"/>
-            </a:solidFill>
-          </a:ln>
-          <a:effectLst/>
-        </p:spPr>
-        <p:style>
-          <a:lnRef idx="1">
-            <a:schemeClr val="accent6"/>
-          </a:lnRef>
-          <a:fillRef idx="2">
-            <a:schemeClr val="accent6"/>
-          </a:fillRef>
-          <a:effectRef idx="1">
-            <a:schemeClr val="accent6"/>
-          </a:effectRef>
-          <a:fontRef idx="minor">
-            <a:schemeClr val="dk1"/>
-          </a:fontRef>
-        </p:style>
-        <p:txBody>
-          <a:bodyPr rtlCol="0" anchor="ctr"/>
-          <a:lstStyle/>
-          <a:p>
-            <a:pPr algn="ctr"/>
-            <a:endParaRPr lang="en-US" sz="1050"/>
-          </a:p>
-        </p:txBody>
-      </p:sp>
-      <p:cxnSp>
-        <p:nvCxnSpPr>
-          <p:cNvPr id="30" name="Elbow Connector 29"/>
-          <p:cNvCxnSpPr>
-            <a:stCxn id="51" idx="3"/>
-            <a:endCxn id="49" idx="1"/>
-          </p:cNvCxnSpPr>
-          <p:nvPr/>
-        </p:nvCxnSpPr>
-        <p:spPr>
-          <a:xfrm>
-            <a:off x="4220351" y="2760681"/>
-            <a:ext cx="266666" cy="260070"/>
-          </a:xfrm>
-          <a:prstGeom prst="bentConnector3">
-            <a:avLst/>
-          </a:prstGeom>
-          <a:ln w="19050">
-            <a:solidFill>
-              <a:srgbClr val="7030A0"/>
-            </a:solidFill>
-            <a:headEnd type="none" w="med" len="med"/>
-            <a:tailEnd type="arrow" w="med" len="med"/>
-          </a:ln>
-          <a:effectLst/>
-        </p:spPr>
-        <p:style>
-          <a:lnRef idx="1">
-            <a:schemeClr val="accent2"/>
-          </a:lnRef>
-          <a:fillRef idx="2">
-            <a:schemeClr val="accent2"/>
-          </a:fillRef>
-          <a:effectRef idx="1">
-            <a:schemeClr val="accent2"/>
-          </a:effectRef>
-          <a:fontRef idx="minor">
-            <a:schemeClr val="dk1"/>
-          </a:fontRef>
-        </p:style>
-      </p:cxnSp>
-      <p:sp>
-        <p:nvSpPr>
           <p:cNvPr id="57" name="Rectangle 8"/>
           <p:cNvSpPr/>
           <p:nvPr/>
@@ -4393,7 +3566,7 @@
           <a:p>
             <a:pPr algn="ctr"/>
             <a:r>
-              <a:rPr lang="en-US" sz="1050" dirty="0" err="1" smtClean="0">
+              <a:rPr lang="en-US" sz="1050" dirty="0" smtClean="0">
                 <a:solidFill>
                   <a:srgbClr val="7030A0"/>
                 </a:solidFill>
@@ -4408,191 +3581,6 @@
           </a:p>
         </p:txBody>
       </p:sp>
-      <p:cxnSp>
-        <p:nvCxnSpPr>
-          <p:cNvPr id="59" name="Elbow Connector 58"/>
-          <p:cNvCxnSpPr>
-            <a:stCxn id="51" idx="3"/>
-            <a:endCxn id="57" idx="1"/>
-          </p:cNvCxnSpPr>
-          <p:nvPr/>
-        </p:nvCxnSpPr>
-        <p:spPr>
-          <a:xfrm flipV="1">
-            <a:off x="4220351" y="2453949"/>
-            <a:ext cx="256977" cy="306732"/>
-          </a:xfrm>
-          <a:prstGeom prst="bentConnector3">
-            <a:avLst>
-              <a:gd name="adj1" fmla="val 50000"/>
-            </a:avLst>
-          </a:prstGeom>
-          <a:ln w="19050">
-            <a:solidFill>
-              <a:srgbClr val="7030A0"/>
-            </a:solidFill>
-            <a:headEnd type="none" w="med" len="med"/>
-            <a:tailEnd type="arrow" w="med" len="med"/>
-          </a:ln>
-          <a:effectLst/>
-        </p:spPr>
-        <p:style>
-          <a:lnRef idx="1">
-            <a:schemeClr val="accent2"/>
-          </a:lnRef>
-          <a:fillRef idx="2">
-            <a:schemeClr val="accent2"/>
-          </a:fillRef>
-          <a:effectRef idx="1">
-            <a:schemeClr val="accent2"/>
-          </a:effectRef>
-          <a:fontRef idx="minor">
-            <a:schemeClr val="dk1"/>
-          </a:fontRef>
-        </p:style>
-      </p:cxnSp>
-      <p:sp>
-        <p:nvSpPr>
-          <p:cNvPr id="62" name="Rectangle 8"/>
-          <p:cNvSpPr/>
-          <p:nvPr/>
-        </p:nvSpPr>
-        <p:spPr>
-          <a:xfrm>
-            <a:off x="6313677" y="2858066"/>
-            <a:ext cx="708186" cy="346760"/>
-          </a:xfrm>
-          <a:prstGeom prst="rect">
-            <a:avLst/>
-          </a:prstGeom>
-          <a:ln w="19050">
-            <a:solidFill>
-              <a:srgbClr val="7030A0"/>
-            </a:solidFill>
-          </a:ln>
-          <a:effectLst/>
-        </p:spPr>
-        <p:style>
-          <a:lnRef idx="1">
-            <a:schemeClr val="accent4"/>
-          </a:lnRef>
-          <a:fillRef idx="2">
-            <a:schemeClr val="accent4"/>
-          </a:fillRef>
-          <a:effectRef idx="1">
-            <a:schemeClr val="accent4"/>
-          </a:effectRef>
-          <a:fontRef idx="minor">
-            <a:schemeClr val="dk1"/>
-          </a:fontRef>
-        </p:style>
-        <p:txBody>
-          <a:bodyPr rtlCol="0" anchor="ctr"/>
-          <a:lstStyle/>
-          <a:p>
-            <a:pPr algn="ctr"/>
-            <a:r>
-              <a:rPr lang="en-US" sz="1050" dirty="0" smtClean="0">
-                <a:solidFill>
-                  <a:srgbClr val="7030A0"/>
-                </a:solidFill>
-              </a:rPr>
-              <a:t>Person</a:t>
-            </a:r>
-            <a:endParaRPr lang="en-SG" sz="1050" dirty="0">
-              <a:solidFill>
-                <a:srgbClr val="7030A0"/>
-              </a:solidFill>
-            </a:endParaRPr>
-          </a:p>
-        </p:txBody>
-      </p:sp>
-      <p:sp>
-        <p:nvSpPr>
-          <p:cNvPr id="63" name="Flowchart: Decision 96"/>
-          <p:cNvSpPr/>
-          <p:nvPr/>
-        </p:nvSpPr>
-        <p:spPr>
-          <a:xfrm>
-            <a:off x="5643227" y="2943979"/>
-            <a:ext cx="236048" cy="173380"/>
-          </a:xfrm>
-          <a:prstGeom prst="flowChartDecision">
-            <a:avLst/>
-          </a:prstGeom>
-          <a:noFill/>
-          <a:ln w="19050">
-            <a:solidFill>
-              <a:srgbClr val="7030A0"/>
-            </a:solidFill>
-          </a:ln>
-          <a:effectLst/>
-        </p:spPr>
-        <p:style>
-          <a:lnRef idx="1">
-            <a:schemeClr val="accent6"/>
-          </a:lnRef>
-          <a:fillRef idx="2">
-            <a:schemeClr val="accent6"/>
-          </a:fillRef>
-          <a:effectRef idx="1">
-            <a:schemeClr val="accent6"/>
-          </a:effectRef>
-          <a:fontRef idx="minor">
-            <a:schemeClr val="dk1"/>
-          </a:fontRef>
-        </p:style>
-        <p:txBody>
-          <a:bodyPr rtlCol="0" anchor="ctr"/>
-          <a:lstStyle/>
-          <a:p>
-            <a:pPr algn="ctr"/>
-            <a:endParaRPr lang="en-US" sz="1050"/>
-          </a:p>
-        </p:txBody>
-      </p:sp>
-      <p:cxnSp>
-        <p:nvCxnSpPr>
-          <p:cNvPr id="64" name="Elbow Connector 63"/>
-          <p:cNvCxnSpPr>
-            <a:stCxn id="63" idx="3"/>
-            <a:endCxn id="62" idx="1"/>
-          </p:cNvCxnSpPr>
-          <p:nvPr/>
-        </p:nvCxnSpPr>
-        <p:spPr>
-          <a:xfrm>
-            <a:off x="5879275" y="3030669"/>
-            <a:ext cx="434402" cy="777"/>
-          </a:xfrm>
-          <a:prstGeom prst="bentConnector3">
-            <a:avLst/>
-          </a:prstGeom>
-          <a:ln w="19050">
-            <a:solidFill>
-              <a:srgbClr val="7030A0"/>
-            </a:solidFill>
-            <a:headEnd type="none" w="med" len="med"/>
-            <a:tailEnd type="arrow" w="med" len="med"/>
-          </a:ln>
-          <a:effectLst/>
-        </p:spPr>
-        <p:style>
-          <a:lnRef idx="1">
-            <a:schemeClr val="accent2"/>
-          </a:lnRef>
-          <a:fillRef idx="2">
-            <a:schemeClr val="accent2"/>
-          </a:fillRef>
-          <a:effectRef idx="1">
-            <a:schemeClr val="accent2"/>
-          </a:effectRef>
-          <a:fontRef idx="minor">
-            <a:schemeClr val="dk1"/>
-          </a:fontRef>
-        </p:style>
-      </p:cxnSp>
       <p:sp>
         <p:nvSpPr>
           <p:cNvPr id="67" name="Rectangle 8"/>
@@ -4737,992 +3725,6 @@
       </p:cxnSp>
       <p:sp>
         <p:nvSpPr>
-          <p:cNvPr id="72" name="Rectangle 8"/>
-          <p:cNvSpPr/>
-          <p:nvPr/>
-        </p:nvSpPr>
-        <p:spPr>
-          <a:xfrm>
-            <a:off x="5128257" y="3429000"/>
-            <a:ext cx="1156969" cy="346760"/>
-          </a:xfrm>
-          <a:prstGeom prst="rect">
-            <a:avLst/>
-          </a:prstGeom>
-          <a:ln w="19050">
-            <a:solidFill>
-              <a:srgbClr val="7030A0"/>
-            </a:solidFill>
-          </a:ln>
-          <a:effectLst/>
-        </p:spPr>
-        <p:style>
-          <a:lnRef idx="1">
-            <a:schemeClr val="accent4"/>
-          </a:lnRef>
-          <a:fillRef idx="2">
-            <a:schemeClr val="accent4"/>
-          </a:fillRef>
-          <a:effectRef idx="1">
-            <a:schemeClr val="accent4"/>
-          </a:effectRef>
-          <a:fontRef idx="minor">
-            <a:schemeClr val="dk1"/>
-          </a:fontRef>
-        </p:style>
-        <p:txBody>
-          <a:bodyPr rtlCol="0" anchor="ctr"/>
-          <a:lstStyle/>
-          <a:p>
-            <a:pPr algn="ctr"/>
-            <a:r>
-              <a:rPr lang="en-US" sz="1050" dirty="0" smtClean="0">
-                <a:solidFill>
-                  <a:srgbClr val="7030A0"/>
-                </a:solidFill>
-              </a:rPr>
-              <a:t>&lt;&lt;interface&gt;&gt;</a:t>
-            </a:r>
-            <a:br>
-              <a:rPr lang="en-US" sz="1050" dirty="0" smtClean="0">
-                <a:solidFill>
-                  <a:srgbClr val="7030A0"/>
-                </a:solidFill>
-              </a:rPr>
-            </a:br>
-            <a:r>
-              <a:rPr lang="en-US" sz="1050" dirty="0" err="1" smtClean="0">
-                <a:solidFill>
-                  <a:srgbClr val="7030A0"/>
-                </a:solidFill>
-              </a:rPr>
-              <a:t>ReadOnlyPerson</a:t>
-            </a:r>
-            <a:endParaRPr lang="en-SG" sz="1050" dirty="0">
-              <a:solidFill>
-                <a:srgbClr val="7030A0"/>
-              </a:solidFill>
-            </a:endParaRPr>
-          </a:p>
-        </p:txBody>
-      </p:sp>
-      <p:sp>
-        <p:nvSpPr>
-          <p:cNvPr id="76" name="Rectangle 8"/>
-          <p:cNvSpPr/>
-          <p:nvPr/>
-        </p:nvSpPr>
-        <p:spPr>
-          <a:xfrm>
-            <a:off x="7712397" y="2564238"/>
-            <a:ext cx="708186" cy="285783"/>
-          </a:xfrm>
-          <a:prstGeom prst="rect">
-            <a:avLst/>
-          </a:prstGeom>
-          <a:ln w="19050">
-            <a:solidFill>
-              <a:srgbClr val="7030A0"/>
-            </a:solidFill>
-          </a:ln>
-          <a:effectLst/>
-        </p:spPr>
-        <p:style>
-          <a:lnRef idx="1">
-            <a:schemeClr val="accent4"/>
-          </a:lnRef>
-          <a:fillRef idx="2">
-            <a:schemeClr val="accent4"/>
-          </a:fillRef>
-          <a:effectRef idx="1">
-            <a:schemeClr val="accent4"/>
-          </a:effectRef>
-          <a:fontRef idx="minor">
-            <a:schemeClr val="dk1"/>
-          </a:fontRef>
-        </p:style>
-        <p:txBody>
-          <a:bodyPr rtlCol="0" anchor="ctr"/>
-          <a:lstStyle/>
-          <a:p>
-            <a:pPr algn="ctr"/>
-            <a:r>
-              <a:rPr lang="en-US" sz="1050" dirty="0" smtClean="0">
-                <a:solidFill>
-                  <a:srgbClr val="7030A0"/>
-                </a:solidFill>
-              </a:rPr>
-              <a:t>Name</a:t>
-            </a:r>
-            <a:endParaRPr lang="en-SG" sz="1050" dirty="0">
-              <a:solidFill>
-                <a:srgbClr val="7030A0"/>
-              </a:solidFill>
-            </a:endParaRPr>
-          </a:p>
-        </p:txBody>
-      </p:sp>
-      <p:sp>
-        <p:nvSpPr>
-          <p:cNvPr id="78" name="Flowchart: Decision 96"/>
-          <p:cNvSpPr/>
-          <p:nvPr/>
-        </p:nvSpPr>
-        <p:spPr>
-          <a:xfrm>
-            <a:off x="7041947" y="2948201"/>
-            <a:ext cx="236048" cy="173380"/>
-          </a:xfrm>
-          <a:prstGeom prst="flowChartDecision">
-            <a:avLst/>
-          </a:prstGeom>
-          <a:solidFill>
-            <a:srgbClr val="7030A0"/>
-          </a:solidFill>
-          <a:ln w="19050">
-            <a:solidFill>
-              <a:srgbClr val="7030A0"/>
-            </a:solidFill>
-          </a:ln>
-          <a:effectLst/>
-        </p:spPr>
-        <p:style>
-          <a:lnRef idx="1">
-            <a:schemeClr val="accent6"/>
-          </a:lnRef>
-          <a:fillRef idx="2">
-            <a:schemeClr val="accent6"/>
-          </a:fillRef>
-          <a:effectRef idx="1">
-            <a:schemeClr val="accent6"/>
-          </a:effectRef>
-          <a:fontRef idx="minor">
-            <a:schemeClr val="dk1"/>
-          </a:fontRef>
-        </p:style>
-        <p:txBody>
-          <a:bodyPr rtlCol="0" anchor="ctr"/>
-          <a:lstStyle/>
-          <a:p>
-            <a:pPr algn="ctr"/>
-            <a:endParaRPr lang="en-US" sz="1050"/>
-          </a:p>
-        </p:txBody>
-      </p:sp>
-      <p:cxnSp>
-        <p:nvCxnSpPr>
-          <p:cNvPr id="79" name="Elbow Connector 78"/>
-          <p:cNvCxnSpPr>
-            <a:stCxn id="78" idx="3"/>
-            <a:endCxn id="76" idx="1"/>
-          </p:cNvCxnSpPr>
-          <p:nvPr/>
-        </p:nvCxnSpPr>
-        <p:spPr>
-          <a:xfrm flipV="1">
-            <a:off x="7277995" y="2707130"/>
-            <a:ext cx="434402" cy="327761"/>
-          </a:xfrm>
-          <a:prstGeom prst="bentConnector3">
-            <a:avLst/>
-          </a:prstGeom>
-          <a:ln w="19050">
-            <a:solidFill>
-              <a:srgbClr val="7030A0"/>
-            </a:solidFill>
-            <a:headEnd type="none" w="med" len="med"/>
-            <a:tailEnd type="arrow" w="med" len="med"/>
-          </a:ln>
-          <a:effectLst/>
-        </p:spPr>
-        <p:style>
-          <a:lnRef idx="1">
-            <a:schemeClr val="accent2"/>
-          </a:lnRef>
-          <a:fillRef idx="2">
-            <a:schemeClr val="accent2"/>
-          </a:fillRef>
-          <a:effectRef idx="1">
-            <a:schemeClr val="accent2"/>
-          </a:effectRef>
-          <a:fontRef idx="minor">
-            <a:schemeClr val="dk1"/>
-          </a:fontRef>
-        </p:style>
-      </p:cxnSp>
-      <p:sp>
-        <p:nvSpPr>
-          <p:cNvPr id="80" name="Rectangle 8"/>
-          <p:cNvSpPr/>
-          <p:nvPr/>
-        </p:nvSpPr>
-        <p:spPr>
-          <a:xfrm>
-            <a:off x="7712397" y="2887216"/>
-            <a:ext cx="708186" cy="285783"/>
-          </a:xfrm>
-          <a:prstGeom prst="rect">
-            <a:avLst/>
-          </a:prstGeom>
-          <a:ln w="19050">
-            <a:solidFill>
-              <a:srgbClr val="7030A0"/>
-            </a:solidFill>
-          </a:ln>
-          <a:effectLst/>
-        </p:spPr>
-        <p:style>
-          <a:lnRef idx="1">
-            <a:schemeClr val="accent4"/>
-          </a:lnRef>
-          <a:fillRef idx="2">
-            <a:schemeClr val="accent4"/>
-          </a:fillRef>
-          <a:effectRef idx="1">
-            <a:schemeClr val="accent4"/>
-          </a:effectRef>
-          <a:fontRef idx="minor">
-            <a:schemeClr val="dk1"/>
-          </a:fontRef>
-        </p:style>
-        <p:txBody>
-          <a:bodyPr rtlCol="0" anchor="ctr"/>
-          <a:lstStyle/>
-          <a:p>
-            <a:pPr algn="ctr"/>
-            <a:r>
-              <a:rPr lang="en-US" sz="1050" dirty="0" smtClean="0">
-                <a:solidFill>
-                  <a:srgbClr val="7030A0"/>
-                </a:solidFill>
-              </a:rPr>
-              <a:t>Phone</a:t>
-            </a:r>
-            <a:endParaRPr lang="en-SG" sz="1050" dirty="0">
-              <a:solidFill>
-                <a:srgbClr val="7030A0"/>
-              </a:solidFill>
-            </a:endParaRPr>
-          </a:p>
-        </p:txBody>
-      </p:sp>
-      <p:cxnSp>
-        <p:nvCxnSpPr>
-          <p:cNvPr id="81" name="Elbow Connector 80"/>
-          <p:cNvCxnSpPr>
-            <a:stCxn id="78" idx="3"/>
-            <a:endCxn id="80" idx="1"/>
-          </p:cNvCxnSpPr>
-          <p:nvPr/>
-        </p:nvCxnSpPr>
-        <p:spPr>
-          <a:xfrm flipV="1">
-            <a:off x="7277995" y="3030108"/>
-            <a:ext cx="434402" cy="4783"/>
-          </a:xfrm>
-          <a:prstGeom prst="bentConnector3">
-            <a:avLst/>
-          </a:prstGeom>
-          <a:ln w="19050">
-            <a:solidFill>
-              <a:srgbClr val="7030A0"/>
-            </a:solidFill>
-            <a:headEnd type="none" w="med" len="med"/>
-            <a:tailEnd type="arrow" w="med" len="med"/>
-          </a:ln>
-          <a:effectLst/>
-        </p:spPr>
-        <p:style>
-          <a:lnRef idx="1">
-            <a:schemeClr val="accent2"/>
-          </a:lnRef>
-          <a:fillRef idx="2">
-            <a:schemeClr val="accent2"/>
-          </a:fillRef>
-          <a:effectRef idx="1">
-            <a:schemeClr val="accent2"/>
-          </a:effectRef>
-          <a:fontRef idx="minor">
-            <a:schemeClr val="dk1"/>
-          </a:fontRef>
-        </p:style>
-      </p:cxnSp>
-      <p:sp>
-        <p:nvSpPr>
-          <p:cNvPr id="83" name="Rectangle 8"/>
-          <p:cNvSpPr/>
-          <p:nvPr/>
-        </p:nvSpPr>
-        <p:spPr>
-          <a:xfrm>
-            <a:off x="7712397" y="3210194"/>
-            <a:ext cx="708186" cy="285783"/>
-          </a:xfrm>
-          <a:prstGeom prst="rect">
-            <a:avLst/>
-          </a:prstGeom>
-          <a:ln w="19050">
-            <a:solidFill>
-              <a:srgbClr val="7030A0"/>
-            </a:solidFill>
-          </a:ln>
-          <a:effectLst/>
-        </p:spPr>
-        <p:style>
-          <a:lnRef idx="1">
-            <a:schemeClr val="accent4"/>
-          </a:lnRef>
-          <a:fillRef idx="2">
-            <a:schemeClr val="accent4"/>
-          </a:fillRef>
-          <a:effectRef idx="1">
-            <a:schemeClr val="accent4"/>
-          </a:effectRef>
-          <a:fontRef idx="minor">
-            <a:schemeClr val="dk1"/>
-          </a:fontRef>
-        </p:style>
-        <p:txBody>
-          <a:bodyPr rtlCol="0" anchor="ctr"/>
-          <a:lstStyle/>
-          <a:p>
-            <a:pPr algn="ctr"/>
-            <a:r>
-              <a:rPr lang="en-US" sz="1050" dirty="0" smtClean="0">
-                <a:solidFill>
-                  <a:srgbClr val="7030A0"/>
-                </a:solidFill>
-              </a:rPr>
-              <a:t>Email</a:t>
-            </a:r>
-            <a:endParaRPr lang="en-SG" sz="1050" dirty="0">
-              <a:solidFill>
-                <a:srgbClr val="7030A0"/>
-              </a:solidFill>
-            </a:endParaRPr>
-          </a:p>
-        </p:txBody>
-      </p:sp>
-      <p:cxnSp>
-        <p:nvCxnSpPr>
-          <p:cNvPr id="84" name="Elbow Connector 83"/>
-          <p:cNvCxnSpPr>
-            <a:stCxn id="78" idx="3"/>
-            <a:endCxn id="83" idx="1"/>
-          </p:cNvCxnSpPr>
-          <p:nvPr/>
-        </p:nvCxnSpPr>
-        <p:spPr>
-          <a:xfrm>
-            <a:off x="7277995" y="3034891"/>
-            <a:ext cx="434402" cy="318195"/>
-          </a:xfrm>
-          <a:prstGeom prst="bentConnector3">
-            <a:avLst/>
-          </a:prstGeom>
-          <a:ln w="19050">
-            <a:solidFill>
-              <a:srgbClr val="7030A0"/>
-            </a:solidFill>
-            <a:headEnd type="none" w="med" len="med"/>
-            <a:tailEnd type="arrow" w="med" len="med"/>
-          </a:ln>
-          <a:effectLst/>
-        </p:spPr>
-        <p:style>
-          <a:lnRef idx="1">
-            <a:schemeClr val="accent2"/>
-          </a:lnRef>
-          <a:fillRef idx="2">
-            <a:schemeClr val="accent2"/>
-          </a:fillRef>
-          <a:effectRef idx="1">
-            <a:schemeClr val="accent2"/>
-          </a:effectRef>
-          <a:fontRef idx="minor">
-            <a:schemeClr val="dk1"/>
-          </a:fontRef>
-        </p:style>
-      </p:cxnSp>
-      <p:sp>
-        <p:nvSpPr>
-          <p:cNvPr id="85" name="Rectangle 8"/>
-          <p:cNvSpPr/>
-          <p:nvPr/>
-        </p:nvSpPr>
-        <p:spPr>
-          <a:xfrm>
-            <a:off x="7712397" y="3533171"/>
-            <a:ext cx="708186" cy="285783"/>
-          </a:xfrm>
-          <a:prstGeom prst="rect">
-            <a:avLst/>
-          </a:prstGeom>
-          <a:ln w="19050">
-            <a:solidFill>
-              <a:srgbClr val="7030A0"/>
-            </a:solidFill>
-          </a:ln>
-          <a:effectLst/>
-        </p:spPr>
-        <p:style>
-          <a:lnRef idx="1">
-            <a:schemeClr val="accent4"/>
-          </a:lnRef>
-          <a:fillRef idx="2">
-            <a:schemeClr val="accent4"/>
-          </a:fillRef>
-          <a:effectRef idx="1">
-            <a:schemeClr val="accent4"/>
-          </a:effectRef>
-          <a:fontRef idx="minor">
-            <a:schemeClr val="dk1"/>
-          </a:fontRef>
-        </p:style>
-        <p:txBody>
-          <a:bodyPr rtlCol="0" anchor="ctr"/>
-          <a:lstStyle/>
-          <a:p>
-            <a:pPr algn="ctr"/>
-            <a:r>
-              <a:rPr lang="en-US" sz="1050" dirty="0" smtClean="0">
-                <a:solidFill>
-                  <a:srgbClr val="7030A0"/>
-                </a:solidFill>
-              </a:rPr>
-              <a:t>Address</a:t>
-            </a:r>
-            <a:endParaRPr lang="en-SG" sz="1050" dirty="0">
-              <a:solidFill>
-                <a:srgbClr val="7030A0"/>
-              </a:solidFill>
-            </a:endParaRPr>
-          </a:p>
-        </p:txBody>
-      </p:sp>
-      <p:cxnSp>
-        <p:nvCxnSpPr>
-          <p:cNvPr id="86" name="Elbow Connector 85"/>
-          <p:cNvCxnSpPr>
-            <a:stCxn id="78" idx="3"/>
-            <a:endCxn id="85" idx="1"/>
-          </p:cNvCxnSpPr>
-          <p:nvPr/>
-        </p:nvCxnSpPr>
-        <p:spPr>
-          <a:xfrm>
-            <a:off x="7277995" y="3034891"/>
-            <a:ext cx="434402" cy="641172"/>
-          </a:xfrm>
-          <a:prstGeom prst="bentConnector3">
-            <a:avLst/>
-          </a:prstGeom>
-          <a:ln w="19050">
-            <a:solidFill>
-              <a:srgbClr val="7030A0"/>
-            </a:solidFill>
-            <a:headEnd type="none" w="med" len="med"/>
-            <a:tailEnd type="arrow" w="med" len="med"/>
-          </a:ln>
-          <a:effectLst/>
-        </p:spPr>
-        <p:style>
-          <a:lnRef idx="1">
-            <a:schemeClr val="accent2"/>
-          </a:lnRef>
-          <a:fillRef idx="2">
-            <a:schemeClr val="accent2"/>
-          </a:fillRef>
-          <a:effectRef idx="1">
-            <a:schemeClr val="accent2"/>
-          </a:effectRef>
-          <a:fontRef idx="minor">
-            <a:schemeClr val="dk1"/>
-          </a:fontRef>
-        </p:style>
-      </p:cxnSp>
-      <p:cxnSp>
-        <p:nvCxnSpPr>
-          <p:cNvPr id="97" name="Elbow Connector 63"/>
-          <p:cNvCxnSpPr>
-            <a:stCxn id="99" idx="3"/>
-          </p:cNvCxnSpPr>
-          <p:nvPr/>
-        </p:nvCxnSpPr>
-        <p:spPr>
-          <a:xfrm rot="16200000" flipH="1">
-            <a:off x="3279321" y="2485431"/>
-            <a:ext cx="293825" cy="1"/>
-          </a:xfrm>
-          <a:prstGeom prst="bentConnector3">
-            <a:avLst>
-              <a:gd name="adj1" fmla="val 50000"/>
-            </a:avLst>
-          </a:prstGeom>
-          <a:ln w="19050">
-            <a:solidFill>
-              <a:srgbClr val="7030A0"/>
-            </a:solidFill>
-            <a:prstDash val="sysDot"/>
-            <a:headEnd type="none" w="med" len="med"/>
-            <a:tailEnd type="none" w="med" len="med"/>
-          </a:ln>
-          <a:effectLst/>
-        </p:spPr>
-        <p:style>
-          <a:lnRef idx="1">
-            <a:schemeClr val="accent2"/>
-          </a:lnRef>
-          <a:fillRef idx="2">
-            <a:schemeClr val="accent2"/>
-          </a:fillRef>
-          <a:effectRef idx="1">
-            <a:schemeClr val="accent2"/>
-          </a:effectRef>
-          <a:fontRef idx="minor">
-            <a:schemeClr val="dk1"/>
-          </a:fontRef>
-        </p:style>
-      </p:cxnSp>
-      <p:sp>
-        <p:nvSpPr>
-          <p:cNvPr id="99" name="Isosceles Triangle 102"/>
-          <p:cNvSpPr/>
-          <p:nvPr/>
-        </p:nvSpPr>
-        <p:spPr>
-          <a:xfrm rot="10800000" flipV="1">
-            <a:off x="3290981" y="2162997"/>
-            <a:ext cx="270504" cy="175523"/>
-          </a:xfrm>
-          <a:prstGeom prst="triangle">
-            <a:avLst/>
-          </a:prstGeom>
-          <a:ln w="19050">
-            <a:solidFill>
-              <a:srgbClr val="7030A0"/>
-            </a:solidFill>
-          </a:ln>
-          <a:effectLst/>
-        </p:spPr>
-        <p:style>
-          <a:lnRef idx="1">
-            <a:schemeClr val="accent4"/>
-          </a:lnRef>
-          <a:fillRef idx="2">
-            <a:schemeClr val="accent4"/>
-          </a:fillRef>
-          <a:effectRef idx="1">
-            <a:schemeClr val="accent4"/>
-          </a:effectRef>
-          <a:fontRef idx="minor">
-            <a:schemeClr val="dk1"/>
-          </a:fontRef>
-        </p:style>
-        <p:txBody>
-          <a:bodyPr rtlCol="0" anchor="ctr"/>
-          <a:lstStyle/>
-          <a:p>
-            <a:pPr algn="ctr"/>
-            <a:endParaRPr lang="en-SG" sz="1050" b="1">
-              <a:solidFill>
-                <a:srgbClr val="92D050"/>
-              </a:solidFill>
-            </a:endParaRPr>
-          </a:p>
-        </p:txBody>
-      </p:sp>
-      <p:sp>
-        <p:nvSpPr>
-          <p:cNvPr id="100" name="Rectangle 8"/>
-          <p:cNvSpPr/>
-          <p:nvPr/>
-        </p:nvSpPr>
-        <p:spPr>
-          <a:xfrm>
-            <a:off x="2660303" y="1806470"/>
-            <a:ext cx="1539926" cy="346760"/>
-          </a:xfrm>
-          <a:prstGeom prst="rect">
-            <a:avLst/>
-          </a:prstGeom>
-          <a:ln w="19050">
-            <a:solidFill>
-              <a:srgbClr val="7030A0"/>
-            </a:solidFill>
-          </a:ln>
-          <a:effectLst/>
-        </p:spPr>
-        <p:style>
-          <a:lnRef idx="1">
-            <a:schemeClr val="accent4"/>
-          </a:lnRef>
-          <a:fillRef idx="2">
-            <a:schemeClr val="accent4"/>
-          </a:fillRef>
-          <a:effectRef idx="1">
-            <a:schemeClr val="accent4"/>
-          </a:effectRef>
-          <a:fontRef idx="minor">
-            <a:schemeClr val="dk1"/>
-          </a:fontRef>
-        </p:style>
-        <p:txBody>
-          <a:bodyPr rtlCol="0" anchor="ctr"/>
-          <a:lstStyle/>
-          <a:p>
-            <a:pPr algn="ctr"/>
-            <a:r>
-              <a:rPr lang="en-US" sz="1050" dirty="0" smtClean="0">
-                <a:solidFill>
-                  <a:srgbClr val="7030A0"/>
-                </a:solidFill>
-              </a:rPr>
-              <a:t>&lt;&lt;interface&gt;&gt;</a:t>
-            </a:r>
-            <a:br>
-              <a:rPr lang="en-US" sz="1050" dirty="0" smtClean="0">
-                <a:solidFill>
-                  <a:srgbClr val="7030A0"/>
-                </a:solidFill>
-              </a:rPr>
-            </a:br>
-            <a:r>
-              <a:rPr lang="en-US" sz="1050" dirty="0" err="1" smtClean="0">
-                <a:solidFill>
-                  <a:srgbClr val="7030A0"/>
-                </a:solidFill>
-              </a:rPr>
-              <a:t>ReadOnlyAddressBook</a:t>
-            </a:r>
-            <a:endParaRPr lang="en-SG" sz="1050" dirty="0">
-              <a:solidFill>
-                <a:srgbClr val="7030A0"/>
-              </a:solidFill>
-            </a:endParaRPr>
-          </a:p>
-        </p:txBody>
-      </p:sp>
-      <p:sp>
-        <p:nvSpPr>
-          <p:cNvPr id="114" name="TextBox 113"/>
-          <p:cNvSpPr txBox="1"/>
-          <p:nvPr/>
-        </p:nvSpPr>
-        <p:spPr>
-          <a:xfrm rot="16200000">
-            <a:off x="6527512" y="3586305"/>
-            <a:ext cx="881018" cy="261610"/>
-          </a:xfrm>
-          <a:prstGeom prst="rect">
-            <a:avLst/>
-          </a:prstGeom>
-          <a:noFill/>
-        </p:spPr>
-        <p:txBody>
-          <a:bodyPr wrap="square" rtlCol="0">
-            <a:spAutoFit/>
-          </a:bodyPr>
-          <a:lstStyle/>
-          <a:p>
-            <a:pPr algn="r"/>
-            <a:r>
-              <a:rPr lang="en-US" sz="1100" dirty="0" smtClean="0">
-                <a:solidFill>
-                  <a:srgbClr val="7030A0"/>
-                </a:solidFill>
-              </a:rPr>
-              <a:t>filtered list</a:t>
-            </a:r>
-            <a:endParaRPr lang="en-SG" sz="1100" dirty="0">
-              <a:solidFill>
-                <a:srgbClr val="7030A0"/>
-              </a:solidFill>
-            </a:endParaRPr>
-          </a:p>
-        </p:txBody>
-      </p:sp>
-      <p:sp>
-        <p:nvSpPr>
-          <p:cNvPr id="122" name="Rectangle 8"/>
-          <p:cNvSpPr/>
-          <p:nvPr/>
-        </p:nvSpPr>
-        <p:spPr>
-          <a:xfrm>
-            <a:off x="2057401" y="4239491"/>
-            <a:ext cx="1066800" cy="346760"/>
-          </a:xfrm>
-          <a:prstGeom prst="rect">
-            <a:avLst/>
-          </a:prstGeom>
-          <a:ln w="19050">
-            <a:solidFill>
-              <a:srgbClr val="7030A0"/>
-            </a:solidFill>
-          </a:ln>
-          <a:effectLst/>
-        </p:spPr>
-        <p:style>
-          <a:lnRef idx="1">
-            <a:schemeClr val="accent4"/>
-          </a:lnRef>
-          <a:fillRef idx="2">
-            <a:schemeClr val="accent4"/>
-          </a:fillRef>
-          <a:effectRef idx="1">
-            <a:schemeClr val="accent4"/>
-          </a:effectRef>
-          <a:fontRef idx="minor">
-            <a:schemeClr val="dk1"/>
-          </a:fontRef>
-        </p:style>
-        <p:txBody>
-          <a:bodyPr rtlCol="0" anchor="ctr"/>
-          <a:lstStyle/>
-          <a:p>
-            <a:pPr algn="ctr"/>
-            <a:r>
-              <a:rPr lang="en-US" sz="1050" dirty="0" smtClean="0">
-                <a:solidFill>
-                  <a:srgbClr val="7030A0"/>
-                </a:solidFill>
-              </a:rPr>
-              <a:t>&lt;&lt;interface&gt;&gt;</a:t>
-            </a:r>
-            <a:r>
-              <a:rPr lang="en-US" sz="1050">
-                <a:solidFill>
-                  <a:srgbClr val="7030A0"/>
-                </a:solidFill>
-              </a:rPr>
-              <a:t/>
-            </a:r>
-            <a:br>
-              <a:rPr lang="en-US" sz="1050">
-                <a:solidFill>
-                  <a:srgbClr val="7030A0"/>
-                </a:solidFill>
-              </a:rPr>
-            </a:br>
-            <a:r>
-              <a:rPr lang="en-US" sz="1050" dirty="0" err="1" smtClean="0">
-                <a:solidFill>
-                  <a:srgbClr val="7030A0"/>
-                </a:solidFill>
-              </a:rPr>
-              <a:t>ObservableList</a:t>
-            </a:r>
-            <a:endParaRPr lang="en-SG" sz="1050" dirty="0">
-              <a:solidFill>
-                <a:srgbClr val="7030A0"/>
-              </a:solidFill>
-            </a:endParaRPr>
-          </a:p>
-        </p:txBody>
-      </p:sp>
-      <p:cxnSp>
-        <p:nvCxnSpPr>
-          <p:cNvPr id="124" name="Elbow Connector 122"/>
-          <p:cNvCxnSpPr>
-            <a:stCxn id="119" idx="1"/>
-            <a:endCxn id="122" idx="1"/>
-          </p:cNvCxnSpPr>
-          <p:nvPr/>
-        </p:nvCxnSpPr>
-        <p:spPr>
-          <a:xfrm rot="16200000" flipH="1">
-            <a:off x="1364475" y="3719944"/>
-            <a:ext cx="831471" cy="554381"/>
-          </a:xfrm>
-          <a:prstGeom prst="bentConnector2">
-            <a:avLst/>
-          </a:prstGeom>
-          <a:ln w="19050">
-            <a:solidFill>
-              <a:srgbClr val="7030A0"/>
-            </a:solidFill>
-            <a:prstDash val="sysDot"/>
-            <a:headEnd type="none" w="med" len="med"/>
-            <a:tailEnd type="arrow" w="med" len="med"/>
-          </a:ln>
-          <a:effectLst/>
-        </p:spPr>
-        <p:style>
-          <a:lnRef idx="1">
-            <a:schemeClr val="accent2"/>
-          </a:lnRef>
-          <a:fillRef idx="2">
-            <a:schemeClr val="accent2"/>
-          </a:fillRef>
-          <a:effectRef idx="1">
-            <a:schemeClr val="accent2"/>
-          </a:effectRef>
-          <a:fontRef idx="minor">
-            <a:schemeClr val="dk1"/>
-          </a:fontRef>
-        </p:style>
-      </p:cxnSp>
-      <p:cxnSp>
-        <p:nvCxnSpPr>
-          <p:cNvPr id="50" name="Elbow Connector 49"/>
-          <p:cNvCxnSpPr>
-            <a:stCxn id="62" idx="0"/>
-            <a:endCxn id="57" idx="3"/>
-          </p:cNvCxnSpPr>
-          <p:nvPr/>
-        </p:nvCxnSpPr>
-        <p:spPr>
-          <a:xfrm rot="16200000" flipV="1">
-            <a:off x="5948976" y="2139271"/>
-            <a:ext cx="404117" cy="1033473"/>
-          </a:xfrm>
-          <a:prstGeom prst="bentConnector2">
-            <a:avLst/>
-          </a:prstGeom>
-          <a:ln w="19050">
-            <a:solidFill>
-              <a:srgbClr val="7030A0"/>
-            </a:solidFill>
-            <a:headEnd type="none" w="med" len="med"/>
-            <a:tailEnd type="arrow" w="med" len="med"/>
-          </a:ln>
-          <a:effectLst/>
-        </p:spPr>
-        <p:style>
-          <a:lnRef idx="1">
-            <a:schemeClr val="accent2"/>
-          </a:lnRef>
-          <a:fillRef idx="2">
-            <a:schemeClr val="accent2"/>
-          </a:fillRef>
-          <a:effectRef idx="1">
-            <a:schemeClr val="accent2"/>
-          </a:effectRef>
-          <a:fontRef idx="minor">
-            <a:schemeClr val="dk1"/>
-          </a:fontRef>
-        </p:style>
-      </p:cxnSp>
-      <p:sp>
-        <p:nvSpPr>
-          <p:cNvPr id="11" name="TextBox 10"/>
-          <p:cNvSpPr txBox="1"/>
-          <p:nvPr/>
-        </p:nvSpPr>
-        <p:spPr>
-          <a:xfrm>
-            <a:off x="4324972" y="2191228"/>
-            <a:ext cx="189257" cy="178683"/>
-          </a:xfrm>
-          <a:prstGeom prst="rect">
-            <a:avLst/>
-          </a:prstGeom>
-          <a:noFill/>
-        </p:spPr>
-        <p:txBody>
-          <a:bodyPr wrap="square" lIns="0" tIns="0" rIns="0" bIns="0" rtlCol="0">
-            <a:noAutofit/>
-          </a:bodyPr>
-          <a:lstStyle/>
-          <a:p>
-            <a:pPr algn="ctr"/>
-            <a:r>
-              <a:rPr lang="en-US" sz="1100" dirty="0" smtClean="0">
-                <a:solidFill>
-                  <a:srgbClr val="7030A0"/>
-                </a:solidFill>
-              </a:rPr>
-              <a:t>1</a:t>
-            </a:r>
-            <a:endParaRPr lang="en-SG" sz="1100" dirty="0">
-              <a:solidFill>
-                <a:srgbClr val="7030A0"/>
-              </a:solidFill>
-            </a:endParaRPr>
-          </a:p>
-        </p:txBody>
-      </p:sp>
-      <p:sp>
-        <p:nvSpPr>
-          <p:cNvPr id="54" name="TextBox 53"/>
-          <p:cNvSpPr txBox="1"/>
-          <p:nvPr/>
-        </p:nvSpPr>
-        <p:spPr>
-          <a:xfrm>
-            <a:off x="4324972" y="3058864"/>
-            <a:ext cx="189257" cy="178683"/>
-          </a:xfrm>
-          <a:prstGeom prst="rect">
-            <a:avLst/>
-          </a:prstGeom>
-          <a:noFill/>
-        </p:spPr>
-        <p:txBody>
-          <a:bodyPr wrap="square" lIns="0" tIns="0" rIns="0" bIns="0" rtlCol="0">
-            <a:noAutofit/>
-          </a:bodyPr>
-          <a:lstStyle/>
-          <a:p>
-            <a:pPr algn="ctr"/>
-            <a:r>
-              <a:rPr lang="en-US" sz="1100" dirty="0" smtClean="0">
-                <a:solidFill>
-                  <a:srgbClr val="7030A0"/>
-                </a:solidFill>
-              </a:rPr>
-              <a:t>1</a:t>
-            </a:r>
-            <a:endParaRPr lang="en-SG" sz="1100" dirty="0">
-              <a:solidFill>
-                <a:srgbClr val="7030A0"/>
-              </a:solidFill>
-            </a:endParaRPr>
-          </a:p>
-        </p:txBody>
-      </p:sp>
-      <p:sp>
-        <p:nvSpPr>
-          <p:cNvPr id="56" name="TextBox 55"/>
-          <p:cNvSpPr txBox="1"/>
-          <p:nvPr/>
-        </p:nvSpPr>
-        <p:spPr>
-          <a:xfrm>
-            <a:off x="5689761" y="2495413"/>
-            <a:ext cx="189257" cy="178683"/>
-          </a:xfrm>
-          <a:prstGeom prst="rect">
-            <a:avLst/>
-          </a:prstGeom>
-          <a:noFill/>
-        </p:spPr>
-        <p:txBody>
-          <a:bodyPr wrap="square" lIns="0" tIns="0" rIns="0" bIns="0" rtlCol="0">
-            <a:noAutofit/>
-          </a:bodyPr>
-          <a:lstStyle/>
-          <a:p>
-            <a:pPr algn="ctr"/>
-            <a:r>
-              <a:rPr lang="en-US" sz="1100" dirty="0" smtClean="0">
-                <a:solidFill>
-                  <a:srgbClr val="7030A0"/>
-                </a:solidFill>
-              </a:rPr>
-              <a:t>1</a:t>
-            </a:r>
-            <a:endParaRPr lang="en-SG" sz="1100" dirty="0">
-              <a:solidFill>
-                <a:srgbClr val="7030A0"/>
-              </a:solidFill>
-            </a:endParaRPr>
-          </a:p>
-        </p:txBody>
-      </p:sp>
-      <p:sp>
-        <p:nvSpPr>
           <p:cNvPr id="60" name="TextBox 59"/>
           <p:cNvSpPr txBox="1"/>
           <p:nvPr/>
@@ -5751,162 +3753,6 @@
                 </a:solidFill>
               </a:rPr>
               <a:t>*</a:t>
-            </a:r>
-            <a:endParaRPr lang="en-SG" sz="1100" dirty="0">
-              <a:solidFill>
-                <a:srgbClr val="7030A0"/>
-              </a:solidFill>
-            </a:endParaRPr>
-          </a:p>
-        </p:txBody>
-      </p:sp>
-      <p:sp>
-        <p:nvSpPr>
-          <p:cNvPr id="61" name="TextBox 60"/>
-          <p:cNvSpPr txBox="1"/>
-          <p:nvPr/>
-        </p:nvSpPr>
-        <p:spPr>
-          <a:xfrm>
-            <a:off x="6135256" y="3097917"/>
-            <a:ext cx="189257" cy="178683"/>
-          </a:xfrm>
-          <a:prstGeom prst="rect">
-            <a:avLst/>
-          </a:prstGeom>
-          <a:noFill/>
-        </p:spPr>
-        <p:txBody>
-          <a:bodyPr wrap="square" lIns="0" tIns="0" rIns="0" bIns="0" rtlCol="0">
-            <a:noAutofit/>
-          </a:bodyPr>
-          <a:lstStyle/>
-          <a:p>
-            <a:pPr algn="ctr"/>
-            <a:r>
-              <a:rPr lang="en-US" sz="1100" dirty="0" smtClean="0">
-                <a:solidFill>
-                  <a:srgbClr val="7030A0"/>
-                </a:solidFill>
-              </a:rPr>
-              <a:t>*</a:t>
-            </a:r>
-            <a:endParaRPr lang="en-SG" sz="1100" dirty="0">
-              <a:solidFill>
-                <a:srgbClr val="7030A0"/>
-              </a:solidFill>
-            </a:endParaRPr>
-          </a:p>
-        </p:txBody>
-      </p:sp>
-      <p:sp>
-        <p:nvSpPr>
-          <p:cNvPr id="65" name="TextBox 64"/>
-          <p:cNvSpPr txBox="1"/>
-          <p:nvPr/>
-        </p:nvSpPr>
-        <p:spPr>
-          <a:xfrm>
-            <a:off x="2687923" y="2564238"/>
-            <a:ext cx="189257" cy="178683"/>
-          </a:xfrm>
-          <a:prstGeom prst="rect">
-            <a:avLst/>
-          </a:prstGeom>
-          <a:noFill/>
-        </p:spPr>
-        <p:txBody>
-          <a:bodyPr wrap="square" lIns="0" tIns="0" rIns="0" bIns="0" rtlCol="0">
-            <a:noAutofit/>
-          </a:bodyPr>
-          <a:lstStyle/>
-          <a:p>
-            <a:pPr algn="ctr"/>
-            <a:r>
-              <a:rPr lang="en-US" sz="1100" dirty="0" smtClean="0">
-                <a:solidFill>
-                  <a:srgbClr val="7030A0"/>
-                </a:solidFill>
-              </a:rPr>
-              <a:t>1</a:t>
-            </a:r>
-            <a:endParaRPr lang="en-SG" sz="1100" dirty="0">
-              <a:solidFill>
-                <a:srgbClr val="7030A0"/>
-              </a:solidFill>
-            </a:endParaRPr>
-          </a:p>
-        </p:txBody>
-      </p:sp>
-      <p:sp>
-        <p:nvSpPr>
-          <p:cNvPr id="66" name="TextBox 65"/>
-          <p:cNvSpPr txBox="1"/>
-          <p:nvPr/>
-        </p:nvSpPr>
-        <p:spPr>
-          <a:xfrm>
-            <a:off x="2656370" y="3386050"/>
-            <a:ext cx="189257" cy="178683"/>
-          </a:xfrm>
-          <a:prstGeom prst="rect">
-            <a:avLst/>
-          </a:prstGeom>
-          <a:noFill/>
-        </p:spPr>
-        <p:txBody>
-          <a:bodyPr wrap="square" lIns="0" tIns="0" rIns="0" bIns="0" rtlCol="0">
-            <a:noAutofit/>
-          </a:bodyPr>
-          <a:lstStyle/>
-          <a:p>
-            <a:pPr algn="ctr"/>
-            <a:r>
-              <a:rPr lang="en-US" sz="1100" dirty="0" smtClean="0">
-                <a:solidFill>
-                  <a:srgbClr val="7030A0"/>
-                </a:solidFill>
-              </a:rPr>
-              <a:t>1</a:t>
-            </a:r>
-            <a:endParaRPr lang="en-SG" sz="1100" dirty="0">
-              <a:solidFill>
-                <a:srgbClr val="7030A0"/>
-              </a:solidFill>
-            </a:endParaRPr>
-          </a:p>
-        </p:txBody>
-      </p:sp>
-      <p:sp>
-        <p:nvSpPr>
-          <p:cNvPr id="70" name="TextBox 69"/>
-          <p:cNvSpPr txBox="1"/>
-          <p:nvPr/>
-        </p:nvSpPr>
-        <p:spPr>
-          <a:xfrm>
-            <a:off x="6667770" y="3210194"/>
-            <a:ext cx="189257" cy="178683"/>
-          </a:xfrm>
-          <a:prstGeom prst="rect">
-            <a:avLst/>
-          </a:prstGeom>
-          <a:noFill/>
-        </p:spPr>
-        <p:txBody>
-          <a:bodyPr wrap="square" lIns="0" tIns="0" rIns="0" bIns="0" rtlCol="0">
-            <a:noAutofit/>
-          </a:bodyPr>
-          <a:lstStyle/>
-          <a:p>
-            <a:pPr algn="ctr"/>
-            <a:r>
-              <a:rPr lang="en-US" sz="1100" dirty="0" smtClean="0">
-                <a:solidFill>
-                  <a:srgbClr val="7030A0"/>
-                </a:solidFill>
-              </a:rPr>
-              <a:t>1</a:t>
             </a:r>
             <a:endParaRPr lang="en-SG" sz="1100" dirty="0">
               <a:solidFill>
@@ -6081,7 +3927,7 @@
           <a:p>
             <a:pPr algn="ctr"/>
             <a:r>
-              <a:rPr lang="en-US" sz="1050" dirty="0" err="1" smtClean="0">
+              <a:rPr lang="en-US" sz="1050" dirty="0" smtClean="0">
                 <a:solidFill>
                   <a:srgbClr val="7030A0"/>
                 </a:solidFill>
